--- a/M10615110/M10615110_HW2.pptx
+++ b/M10615110/M10615110_HW2.pptx
@@ -120,6 +120,11 @@
       </a:defRPr>
     </a:lvl9pPr>
   </p:defaultTextStyle>
+  <p:extLst>
+    <p:ext uri="{EFAFB233-063F-42B5-8137-9DF3F51BA10A}">
+      <p15:sldGuideLst xmlns:p15="http://schemas.microsoft.com/office/powerpoint/2012/main"/>
+    </p:ext>
+  </p:extLst>
 </p:presentation>
 </file>
 
@@ -6173,7 +6178,7 @@
             </a:r>
             <a:r>
               <a:rPr lang="zh-TW" altLang="en-US" dirty="0"/>
-              <a:t> 簡靖岳  </a:t>
+              <a:t> 簡靖岳   </a:t>
             </a:r>
             <a:r>
               <a:rPr lang="en-US" altLang="zh-TW" dirty="0"/>
@@ -6181,10 +6186,14 @@
             </a:r>
             <a:r>
               <a:rPr lang="zh-TW" altLang="en-US" dirty="0"/>
-              <a:t> 陳盈如 </a:t>
-            </a:r>
-            <a:r>
-              <a:rPr lang="en-US" altLang="zh-TW" dirty="0"/>
+              <a:t> </a:t>
+            </a:r>
+            <a:r>
+              <a:rPr lang="zh-TW" altLang="en-US"/>
+              <a:t>陳盈如  </a:t>
+            </a:r>
+            <a:r>
+              <a:rPr lang="en-US" altLang="zh-TW"/>
               <a:t>B10332025</a:t>
             </a:r>
             <a:r>
